--- a/Week01/Lesson01/Android02.pptx
+++ b/Week01/Lesson01/Android02.pptx
@@ -200,7 +200,7 @@
   </p:defaultTextStyle>
   <p:extLst>
     <p:ext uri="{EFAFB233-063F-42B5-8137-9DF3F51BA10A}">
-      <p15:sldGuideLst xmlns:p15="http://schemas.microsoft.com/office/powerpoint/2012/main" xmlns="">
+      <p15:sldGuideLst xmlns:p15="http://schemas.microsoft.com/office/powerpoint/2012/main">
         <p15:guide id="1" orient="horz" pos="2160">
           <p15:clr>
             <a:srgbClr val="A4A3A4"/>
@@ -214,7 +214,7 @@
       </p15:sldGuideLst>
     </p:ext>
     <p:ext uri="{2D200454-40CA-4A62-9FC3-DE9A4176ACB9}">
-      <p15:notesGuideLst xmlns:p15="http://schemas.microsoft.com/office/powerpoint/2012/main" xmlns="">
+      <p15:notesGuideLst xmlns:p15="http://schemas.microsoft.com/office/powerpoint/2012/main">
         <p15:guide id="1" orient="horz" pos="2880">
           <p15:clr>
             <a:srgbClr val="A4A3A4"/>
@@ -338,7 +338,7 @@
               <a:pPr>
                 <a:defRPr/>
               </a:pPr>
-              <a:t>22.04.2016</a:t>
+              <a:t>24.04.2016</a:t>
             </a:fld>
             <a:endParaRPr lang="ru-RU"/>
           </a:p>
@@ -552,7 +552,7 @@
               <a:pPr>
                 <a:defRPr/>
               </a:pPr>
-              <a:t>22.04.2016</a:t>
+              <a:t>24.04.2016</a:t>
             </a:fld>
             <a:endParaRPr lang="ru-RU"/>
           </a:p>
@@ -2270,7 +2270,7 @@
             </a:pPr>
             <a:fld id="{7A9A1FDC-8A88-4447-9A0C-D68E3648B38F}" type="datetime1">
               <a:rPr lang="ru-RU" smtClean="0"/>
-              <a:t>22.04.2016</a:t>
+              <a:t>24.04.2016</a:t>
             </a:fld>
             <a:endParaRPr lang="en-US" dirty="0"/>
           </a:p>
@@ -2549,7 +2549,7 @@
             </a:pPr>
             <a:fld id="{15DD4B8C-669F-4311-9DBD-1C068DCA5F1A}" type="datetime1">
               <a:rPr lang="ru-RU" smtClean="0"/>
-              <a:t>22.04.2016</a:t>
+              <a:t>24.04.2016</a:t>
             </a:fld>
             <a:endParaRPr lang="en-US" dirty="0"/>
           </a:p>
@@ -3201,7 +3201,7 @@
             </a:pPr>
             <a:fld id="{40C2D286-01D0-4408-87A8-0C561AE14AB3}" type="datetime1">
               <a:rPr lang="ru-RU" smtClean="0"/>
-              <a:t>22.04.2016</a:t>
+              <a:t>24.04.2016</a:t>
             </a:fld>
             <a:endParaRPr lang="en-US" dirty="0"/>
           </a:p>
@@ -3480,7 +3480,7 @@
             </a:pPr>
             <a:fld id="{97FAB014-2836-48F0-AD5E-0688728232F4}" type="datetime1">
               <a:rPr lang="ru-RU" smtClean="0"/>
-              <a:t>22.04.2016</a:t>
+              <a:t>24.04.2016</a:t>
             </a:fld>
             <a:endParaRPr lang="en-US" dirty="0"/>
           </a:p>
@@ -4132,7 +4132,7 @@
             </a:pPr>
             <a:fld id="{05754FBF-67F9-46EC-A541-12BF6DBD6298}" type="datetime1">
               <a:rPr lang="ru-RU" smtClean="0"/>
-              <a:t>22.04.2016</a:t>
+              <a:t>24.04.2016</a:t>
             </a:fld>
             <a:endParaRPr lang="en-US" dirty="0"/>
           </a:p>
@@ -4471,7 +4471,7 @@
             </a:pPr>
             <a:fld id="{261F189F-AD3F-4E3D-A5BD-5C0998B8B622}" type="datetime1">
               <a:rPr lang="ru-RU" smtClean="0"/>
-              <a:t>22.04.2016</a:t>
+              <a:t>24.04.2016</a:t>
             </a:fld>
             <a:endParaRPr lang="en-US" dirty="0"/>
           </a:p>
@@ -4669,7 +4669,7 @@
             </a:pPr>
             <a:fld id="{DA177A90-9248-4CDB-9BCE-2A9011EA0413}" type="datetime1">
               <a:rPr lang="ru-RU" smtClean="0"/>
-              <a:t>22.04.2016</a:t>
+              <a:t>24.04.2016</a:t>
             </a:fld>
             <a:endParaRPr lang="ru-RU"/>
           </a:p>
@@ -4877,7 +4877,7 @@
             </a:pPr>
             <a:fld id="{9E4563B8-9891-4C61-8D73-2F15E71B3507}" type="datetime1">
               <a:rPr lang="ru-RU" smtClean="0"/>
-              <a:t>22.04.2016</a:t>
+              <a:t>24.04.2016</a:t>
             </a:fld>
             <a:endParaRPr lang="ru-RU"/>
           </a:p>
@@ -5122,7 +5122,7 @@
             </a:pPr>
             <a:fld id="{AA36305C-1E2A-4D18-B9E2-6AD623F7CC44}" type="datetime1">
               <a:rPr lang="ru-RU" smtClean="0"/>
-              <a:t>22.04.2016</a:t>
+              <a:t>24.04.2016</a:t>
             </a:fld>
             <a:endParaRPr lang="en-US" dirty="0"/>
           </a:p>
@@ -5397,7 +5397,7 @@
             </a:pPr>
             <a:fld id="{19242E39-DDB9-41A2-91DD-C7F7C05C6445}" type="datetime1">
               <a:rPr lang="ru-RU" smtClean="0"/>
-              <a:t>22.04.2016</a:t>
+              <a:t>24.04.2016</a:t>
             </a:fld>
             <a:endParaRPr lang="ru-RU"/>
           </a:p>
@@ -5722,7 +5722,7 @@
             </a:pPr>
             <a:fld id="{9EB81FF2-481A-4258-917E-A309A2E547E9}" type="datetime1">
               <a:rPr lang="ru-RU" smtClean="0"/>
-              <a:t>22.04.2016</a:t>
+              <a:t>24.04.2016</a:t>
             </a:fld>
             <a:endParaRPr lang="ru-RU"/>
           </a:p>
@@ -6129,7 +6129,7 @@
             </a:pPr>
             <a:fld id="{D8A1778F-295C-409F-95FD-8A76362ADD47}" type="datetime1">
               <a:rPr lang="ru-RU" smtClean="0"/>
-              <a:t>22.04.2016</a:t>
+              <a:t>24.04.2016</a:t>
             </a:fld>
             <a:endParaRPr lang="ru-RU"/>
           </a:p>
@@ -6280,7 +6280,7 @@
             </a:pPr>
             <a:fld id="{E77B05AC-8618-43F4-8A39-A2F8FFCBC1C3}" type="datetime1">
               <a:rPr lang="ru-RU" smtClean="0"/>
-              <a:t>22.04.2016</a:t>
+              <a:t>24.04.2016</a:t>
             </a:fld>
             <a:endParaRPr lang="ru-RU"/>
           </a:p>
@@ -6403,7 +6403,7 @@
             </a:pPr>
             <a:fld id="{C3331219-B120-47AF-85F7-B2388785BF52}" type="datetime1">
               <a:rPr lang="ru-RU" smtClean="0"/>
-              <a:t>22.04.2016</a:t>
+              <a:t>24.04.2016</a:t>
             </a:fld>
             <a:endParaRPr lang="ru-RU"/>
           </a:p>
@@ -6686,7 +6686,7 @@
             </a:pPr>
             <a:fld id="{31891979-3786-435F-9954-15BCA95FFD01}" type="datetime1">
               <a:rPr lang="ru-RU" smtClean="0"/>
-              <a:t>22.04.2016</a:t>
+              <a:t>24.04.2016</a:t>
             </a:fld>
             <a:endParaRPr lang="ru-RU"/>
           </a:p>
@@ -6978,7 +6978,7 @@
             </a:pPr>
             <a:fld id="{203203D8-0F38-4044-B290-E0E3C4071223}" type="datetime1">
               <a:rPr lang="ru-RU" smtClean="0"/>
-              <a:t>22.04.2016</a:t>
+              <a:t>24.04.2016</a:t>
             </a:fld>
             <a:endParaRPr lang="ru-RU"/>
           </a:p>
@@ -7909,7 +7909,7 @@
             </a:pPr>
             <a:fld id="{33AC80D0-F2F9-4D83-BB2A-5ED1AE521719}" type="datetime1">
               <a:rPr lang="ru-RU" smtClean="0"/>
-              <a:t>22.04.2016</a:t>
+              <a:t>24.04.2016</a:t>
             </a:fld>
             <a:endParaRPr lang="en-US" dirty="0"/>
           </a:p>
@@ -8952,32 +8952,6 @@
       </p:sp>
       <p:sp>
         <p:nvSpPr>
-          <p:cNvPr id="4" name="Нижний колонтитул 3"/>
-          <p:cNvSpPr>
-            <a:spLocks noGrp="1"/>
-          </p:cNvSpPr>
-          <p:nvPr>
-            <p:ph type="ftr" sz="quarter" idx="11"/>
-          </p:nvPr>
-        </p:nvSpPr>
-        <p:spPr/>
-        <p:txBody>
-          <a:bodyPr/>
-          <a:lstStyle/>
-          <a:p>
-            <a:pPr>
-              <a:defRPr/>
-            </a:pPr>
-            <a:r>
-              <a:rPr lang="ru-RU" smtClean="0"/>
-              <a:t>Введение в разработку приложений для смартфонов на ОС Android. Лекция 2. Виды приложений и их структура.</a:t>
-            </a:r>
-            <a:endParaRPr lang="en-US" dirty="0"/>
-          </a:p>
-        </p:txBody>
-      </p:sp>
-      <p:sp>
-        <p:nvSpPr>
           <p:cNvPr id="5" name="Номер слайда 4"/>
           <p:cNvSpPr>
             <a:spLocks noGrp="1"/>
@@ -9163,32 +9137,6 @@
       </p:sp>
       <p:sp>
         <p:nvSpPr>
-          <p:cNvPr id="4" name="Нижний колонтитул 3"/>
-          <p:cNvSpPr>
-            <a:spLocks noGrp="1"/>
-          </p:cNvSpPr>
-          <p:nvPr>
-            <p:ph type="ftr" sz="quarter" idx="11"/>
-          </p:nvPr>
-        </p:nvSpPr>
-        <p:spPr/>
-        <p:txBody>
-          <a:bodyPr/>
-          <a:lstStyle/>
-          <a:p>
-            <a:pPr>
-              <a:defRPr/>
-            </a:pPr>
-            <a:r>
-              <a:rPr lang="ru-RU" smtClean="0"/>
-              <a:t>Введение в разработку приложений для смартфонов на ОС Android. Лекция 2. Виды приложений и их структура.</a:t>
-            </a:r>
-            <a:endParaRPr lang="en-US" dirty="0"/>
-          </a:p>
-        </p:txBody>
-      </p:sp>
-      <p:sp>
-        <p:nvSpPr>
           <p:cNvPr id="5" name="Номер слайда 4"/>
           <p:cNvSpPr>
             <a:spLocks noGrp="1"/>
@@ -9341,32 +9289,6 @@
               <a:t>Почтовые клиенты</a:t>
             </a:r>
             <a:endParaRPr lang="ru-RU" sz="1800" dirty="0"/>
-          </a:p>
-        </p:txBody>
-      </p:sp>
-      <p:sp>
-        <p:nvSpPr>
-          <p:cNvPr id="4" name="Нижний колонтитул 3"/>
-          <p:cNvSpPr>
-            <a:spLocks noGrp="1"/>
-          </p:cNvSpPr>
-          <p:nvPr>
-            <p:ph type="ftr" sz="quarter" idx="11"/>
-          </p:nvPr>
-        </p:nvSpPr>
-        <p:spPr/>
-        <p:txBody>
-          <a:bodyPr/>
-          <a:lstStyle/>
-          <a:p>
-            <a:pPr>
-              <a:defRPr/>
-            </a:pPr>
-            <a:r>
-              <a:rPr lang="ru-RU" smtClean="0"/>
-              <a:t>Введение в разработку приложений для смартфонов на ОС Android. Лекция 2. Виды приложений и их структура.</a:t>
-            </a:r>
-            <a:endParaRPr lang="en-US" dirty="0"/>
           </a:p>
         </p:txBody>
       </p:sp>
@@ -9512,32 +9434,6 @@
       </p:sp>
       <p:sp>
         <p:nvSpPr>
-          <p:cNvPr id="4" name="Нижний колонтитул 3"/>
-          <p:cNvSpPr>
-            <a:spLocks noGrp="1"/>
-          </p:cNvSpPr>
-          <p:nvPr>
-            <p:ph type="ftr" sz="quarter" idx="11"/>
-          </p:nvPr>
-        </p:nvSpPr>
-        <p:spPr/>
-        <p:txBody>
-          <a:bodyPr/>
-          <a:lstStyle/>
-          <a:p>
-            <a:pPr>
-              <a:defRPr/>
-            </a:pPr>
-            <a:r>
-              <a:rPr lang="ru-RU" smtClean="0"/>
-              <a:t>Введение в разработку приложений для смартфонов на ОС Android. Лекция 2. Виды приложений и их структура.</a:t>
-            </a:r>
-            <a:endParaRPr lang="en-US" dirty="0"/>
-          </a:p>
-        </p:txBody>
-      </p:sp>
-      <p:sp>
-        <p:nvSpPr>
           <p:cNvPr id="5" name="Номер слайда 4"/>
           <p:cNvSpPr>
             <a:spLocks noGrp="1"/>
@@ -9664,32 +9560,6 @@
               <a:rPr lang="ru-RU" sz="1800" dirty="0" smtClean="0"/>
               <a:t>динамической информации</a:t>
             </a:r>
-          </a:p>
-        </p:txBody>
-      </p:sp>
-      <p:sp>
-        <p:nvSpPr>
-          <p:cNvPr id="4" name="Нижний колонтитул 3"/>
-          <p:cNvSpPr>
-            <a:spLocks noGrp="1"/>
-          </p:cNvSpPr>
-          <p:nvPr>
-            <p:ph type="ftr" sz="quarter" idx="11"/>
-          </p:nvPr>
-        </p:nvSpPr>
-        <p:spPr/>
-        <p:txBody>
-          <a:bodyPr/>
-          <a:lstStyle/>
-          <a:p>
-            <a:pPr>
-              <a:defRPr/>
-            </a:pPr>
-            <a:r>
-              <a:rPr lang="ru-RU" smtClean="0"/>
-              <a:t>Введение в разработку приложений для смартфонов на ОС Android. Лекция 2. Виды приложений и их структура.</a:t>
-            </a:r>
-            <a:endParaRPr lang="en-US" dirty="0"/>
           </a:p>
         </p:txBody>
       </p:sp>
@@ -9834,32 +9704,6 @@
       </p:sp>
       <p:sp>
         <p:nvSpPr>
-          <p:cNvPr id="4" name="Нижний колонтитул 3"/>
-          <p:cNvSpPr>
-            <a:spLocks noGrp="1"/>
-          </p:cNvSpPr>
-          <p:nvPr>
-            <p:ph type="ftr" sz="quarter" idx="11"/>
-          </p:nvPr>
-        </p:nvSpPr>
-        <p:spPr/>
-        <p:txBody>
-          <a:bodyPr/>
-          <a:lstStyle/>
-          <a:p>
-            <a:pPr>
-              <a:defRPr/>
-            </a:pPr>
-            <a:r>
-              <a:rPr lang="ru-RU" smtClean="0"/>
-              <a:t>Введение в разработку приложений для смартфонов на ОС Android. Лекция 2. Виды приложений и их структура.</a:t>
-            </a:r>
-            <a:endParaRPr lang="en-US" dirty="0"/>
-          </a:p>
-        </p:txBody>
-      </p:sp>
-      <p:sp>
-        <p:nvSpPr>
           <p:cNvPr id="5" name="Номер слайда 4"/>
           <p:cNvSpPr>
             <a:spLocks noGrp="1"/>
@@ -9951,37 +9795,6 @@
       </p:sp>
       <p:sp>
         <p:nvSpPr>
-          <p:cNvPr id="7" name="Нижний колонтитул 3"/>
-          <p:cNvSpPr>
-            <a:spLocks noGrp="1"/>
-          </p:cNvSpPr>
-          <p:nvPr>
-            <p:ph type="ftr" sz="quarter" idx="11"/>
-          </p:nvPr>
-        </p:nvSpPr>
-        <p:spPr>
-          <a:xfrm>
-            <a:off x="609600" y="6042025"/>
-            <a:ext cx="4622800" cy="365125"/>
-          </a:xfrm>
-        </p:spPr>
-        <p:txBody>
-          <a:bodyPr/>
-          <a:lstStyle/>
-          <a:p>
-            <a:pPr>
-              <a:defRPr/>
-            </a:pPr>
-            <a:r>
-              <a:rPr lang="ru-RU" smtClean="0"/>
-              <a:t>Введение в разработку приложений для смартфонов на ОС Android. Лекция 2. Виды приложений и их структура.</a:t>
-            </a:r>
-            <a:endParaRPr lang="en-US" dirty="0"/>
-          </a:p>
-        </p:txBody>
-      </p:sp>
-      <p:sp>
-        <p:nvSpPr>
           <p:cNvPr id="8" name="Номер слайда 4"/>
           <p:cNvSpPr>
             <a:spLocks noGrp="1"/>
@@ -10135,32 +9948,6 @@
       </p:sp>
       <p:sp>
         <p:nvSpPr>
-          <p:cNvPr id="4" name="Нижний колонтитул 3"/>
-          <p:cNvSpPr>
-            <a:spLocks noGrp="1"/>
-          </p:cNvSpPr>
-          <p:nvPr>
-            <p:ph type="ftr" sz="quarter" idx="11"/>
-          </p:nvPr>
-        </p:nvSpPr>
-        <p:spPr/>
-        <p:txBody>
-          <a:bodyPr/>
-          <a:lstStyle/>
-          <a:p>
-            <a:pPr>
-              <a:defRPr/>
-            </a:pPr>
-            <a:r>
-              <a:rPr lang="ru-RU" smtClean="0"/>
-              <a:t>Введение в разработку приложений для смартфонов на ОС Android. Лекция 2. Виды приложений и их структура.</a:t>
-            </a:r>
-            <a:endParaRPr lang="en-US" dirty="0"/>
-          </a:p>
-        </p:txBody>
-      </p:sp>
-      <p:sp>
-        <p:nvSpPr>
           <p:cNvPr id="5" name="Номер слайда 4"/>
           <p:cNvSpPr>
             <a:spLocks noGrp="1"/>
@@ -10297,32 +10084,6 @@
       </p:sp>
       <p:sp>
         <p:nvSpPr>
-          <p:cNvPr id="4" name="Нижний колонтитул 3"/>
-          <p:cNvSpPr>
-            <a:spLocks noGrp="1"/>
-          </p:cNvSpPr>
-          <p:nvPr>
-            <p:ph type="ftr" sz="quarter" idx="11"/>
-          </p:nvPr>
-        </p:nvSpPr>
-        <p:spPr/>
-        <p:txBody>
-          <a:bodyPr/>
-          <a:lstStyle/>
-          <a:p>
-            <a:pPr>
-              <a:defRPr/>
-            </a:pPr>
-            <a:r>
-              <a:rPr lang="ru-RU" smtClean="0"/>
-              <a:t>Введение в разработку приложений для смартфонов на ОС Android. Лекция 2. Виды приложений и их структура.</a:t>
-            </a:r>
-            <a:endParaRPr lang="en-US" dirty="0"/>
-          </a:p>
-        </p:txBody>
-      </p:sp>
-      <p:sp>
-        <p:nvSpPr>
           <p:cNvPr id="5" name="Номер слайда 4"/>
           <p:cNvSpPr>
             <a:spLocks noGrp="1"/>
@@ -10454,32 +10215,6 @@
       </p:sp>
       <p:sp>
         <p:nvSpPr>
-          <p:cNvPr id="4" name="Нижний колонтитул 3"/>
-          <p:cNvSpPr>
-            <a:spLocks noGrp="1"/>
-          </p:cNvSpPr>
-          <p:nvPr>
-            <p:ph type="ftr" sz="quarter" idx="11"/>
-          </p:nvPr>
-        </p:nvSpPr>
-        <p:spPr/>
-        <p:txBody>
-          <a:bodyPr/>
-          <a:lstStyle/>
-          <a:p>
-            <a:pPr>
-              <a:defRPr/>
-            </a:pPr>
-            <a:r>
-              <a:rPr lang="ru-RU" smtClean="0"/>
-              <a:t>Введение в разработку приложений для смартфонов на ОС Android. Лекция 2. Виды приложений и их структура.</a:t>
-            </a:r>
-            <a:endParaRPr lang="en-US" dirty="0"/>
-          </a:p>
-        </p:txBody>
-      </p:sp>
-      <p:sp>
-        <p:nvSpPr>
           <p:cNvPr id="5" name="Номер слайда 4"/>
           <p:cNvSpPr>
             <a:spLocks noGrp="1"/>
@@ -10640,32 +10375,6 @@
       </p:sp>
       <p:sp>
         <p:nvSpPr>
-          <p:cNvPr id="4" name="Нижний колонтитул 3"/>
-          <p:cNvSpPr>
-            <a:spLocks noGrp="1"/>
-          </p:cNvSpPr>
-          <p:nvPr>
-            <p:ph type="ftr" sz="quarter" idx="11"/>
-          </p:nvPr>
-        </p:nvSpPr>
-        <p:spPr/>
-        <p:txBody>
-          <a:bodyPr/>
-          <a:lstStyle/>
-          <a:p>
-            <a:pPr>
-              <a:defRPr/>
-            </a:pPr>
-            <a:r>
-              <a:rPr lang="ru-RU" smtClean="0"/>
-              <a:t>Введение в разработку приложений для смартфонов на ОС Android. Лекция 2. Виды приложений и их структура.</a:t>
-            </a:r>
-            <a:endParaRPr lang="en-US" dirty="0"/>
-          </a:p>
-        </p:txBody>
-      </p:sp>
-      <p:sp>
-        <p:nvSpPr>
           <p:cNvPr id="18437" name="Номер слайда 4"/>
           <p:cNvSpPr>
             <a:spLocks noGrp="1"/>
@@ -10964,37 +10673,6 @@
       </p:sp>
       <p:sp>
         <p:nvSpPr>
-          <p:cNvPr id="7" name="Нижний колонтитул 3"/>
-          <p:cNvSpPr>
-            <a:spLocks noGrp="1"/>
-          </p:cNvSpPr>
-          <p:nvPr>
-            <p:ph type="ftr" sz="quarter" idx="11"/>
-          </p:nvPr>
-        </p:nvSpPr>
-        <p:spPr>
-          <a:xfrm>
-            <a:off x="609600" y="6042025"/>
-            <a:ext cx="4622800" cy="365125"/>
-          </a:xfrm>
-        </p:spPr>
-        <p:txBody>
-          <a:bodyPr/>
-          <a:lstStyle/>
-          <a:p>
-            <a:pPr>
-              <a:defRPr/>
-            </a:pPr>
-            <a:r>
-              <a:rPr lang="ru-RU" smtClean="0"/>
-              <a:t>Введение в разработку приложений для смартфонов на ОС Android. Лекция 2. Виды приложений и их структура.</a:t>
-            </a:r>
-            <a:endParaRPr lang="en-US" dirty="0"/>
-          </a:p>
-        </p:txBody>
-      </p:sp>
-      <p:sp>
-        <p:nvSpPr>
           <p:cNvPr id="8" name="Номер слайда 4"/>
           <p:cNvSpPr>
             <a:spLocks noGrp="1"/>
@@ -11127,32 +10805,6 @@
       </p:sp>
       <p:sp>
         <p:nvSpPr>
-          <p:cNvPr id="4" name="Нижний колонтитул 3"/>
-          <p:cNvSpPr>
-            <a:spLocks noGrp="1"/>
-          </p:cNvSpPr>
-          <p:nvPr>
-            <p:ph type="ftr" sz="quarter" idx="11"/>
-          </p:nvPr>
-        </p:nvSpPr>
-        <p:spPr/>
-        <p:txBody>
-          <a:bodyPr/>
-          <a:lstStyle/>
-          <a:p>
-            <a:pPr>
-              <a:defRPr/>
-            </a:pPr>
-            <a:r>
-              <a:rPr lang="ru-RU" smtClean="0"/>
-              <a:t>Введение в разработку приложений для смартфонов на ОС Android. Лекция 2. Виды приложений и их структура.</a:t>
-            </a:r>
-            <a:endParaRPr lang="en-US" dirty="0"/>
-          </a:p>
-        </p:txBody>
-      </p:sp>
-      <p:sp>
-        <p:nvSpPr>
           <p:cNvPr id="5" name="Номер слайда 4"/>
           <p:cNvSpPr>
             <a:spLocks noGrp="1"/>
@@ -11276,32 +10928,6 @@
               <a:t>Приемники широковещательных сообщений</a:t>
             </a:r>
             <a:endParaRPr lang="ru-RU" dirty="0"/>
-          </a:p>
-        </p:txBody>
-      </p:sp>
-      <p:sp>
-        <p:nvSpPr>
-          <p:cNvPr id="4" name="Нижний колонтитул 3"/>
-          <p:cNvSpPr>
-            <a:spLocks noGrp="1"/>
-          </p:cNvSpPr>
-          <p:nvPr>
-            <p:ph type="ftr" sz="quarter" idx="11"/>
-          </p:nvPr>
-        </p:nvSpPr>
-        <p:spPr/>
-        <p:txBody>
-          <a:bodyPr/>
-          <a:lstStyle/>
-          <a:p>
-            <a:pPr>
-              <a:defRPr/>
-            </a:pPr>
-            <a:r>
-              <a:rPr lang="ru-RU" smtClean="0"/>
-              <a:t>Введение в разработку приложений для смартфонов на ОС Android. Лекция 2. Виды приложений и их структура.</a:t>
-            </a:r>
-            <a:endParaRPr lang="en-US" dirty="0"/>
           </a:p>
         </p:txBody>
       </p:sp>
@@ -11478,32 +11104,6 @@
       </p:sp>
       <p:sp>
         <p:nvSpPr>
-          <p:cNvPr id="4" name="Нижний колонтитул 3"/>
-          <p:cNvSpPr>
-            <a:spLocks noGrp="1"/>
-          </p:cNvSpPr>
-          <p:nvPr>
-            <p:ph type="ftr" sz="quarter" idx="11"/>
-          </p:nvPr>
-        </p:nvSpPr>
-        <p:spPr/>
-        <p:txBody>
-          <a:bodyPr/>
-          <a:lstStyle/>
-          <a:p>
-            <a:pPr>
-              <a:defRPr/>
-            </a:pPr>
-            <a:r>
-              <a:rPr lang="ru-RU" smtClean="0"/>
-              <a:t>Введение в разработку приложений для смартфонов на ОС Android. Лекция 2. Виды приложений и их структура.</a:t>
-            </a:r>
-            <a:endParaRPr lang="en-US" dirty="0"/>
-          </a:p>
-        </p:txBody>
-      </p:sp>
-      <p:sp>
-        <p:nvSpPr>
           <p:cNvPr id="5" name="Номер слайда 4"/>
           <p:cNvSpPr>
             <a:spLocks noGrp="1"/>
@@ -11621,32 +11221,6 @@
       </p:sp>
       <p:sp>
         <p:nvSpPr>
-          <p:cNvPr id="4" name="Нижний колонтитул 3"/>
-          <p:cNvSpPr>
-            <a:spLocks noGrp="1"/>
-          </p:cNvSpPr>
-          <p:nvPr>
-            <p:ph type="ftr" sz="quarter" idx="11"/>
-          </p:nvPr>
-        </p:nvSpPr>
-        <p:spPr/>
-        <p:txBody>
-          <a:bodyPr/>
-          <a:lstStyle/>
-          <a:p>
-            <a:pPr>
-              <a:defRPr/>
-            </a:pPr>
-            <a:r>
-              <a:rPr lang="ru-RU" smtClean="0"/>
-              <a:t>Введение в разработку приложений для смартфонов на ОС Android. Лекция 2. Виды приложений и их структура.</a:t>
-            </a:r>
-            <a:endParaRPr lang="en-US" dirty="0"/>
-          </a:p>
-        </p:txBody>
-      </p:sp>
-      <p:sp>
-        <p:nvSpPr>
           <p:cNvPr id="5" name="Номер слайда 4"/>
           <p:cNvSpPr>
             <a:spLocks noGrp="1"/>
@@ -11772,32 +11346,6 @@
       </p:sp>
       <p:sp>
         <p:nvSpPr>
-          <p:cNvPr id="4" name="Нижний колонтитул 3"/>
-          <p:cNvSpPr>
-            <a:spLocks noGrp="1"/>
-          </p:cNvSpPr>
-          <p:nvPr>
-            <p:ph type="ftr" sz="quarter" idx="11"/>
-          </p:nvPr>
-        </p:nvSpPr>
-        <p:spPr/>
-        <p:txBody>
-          <a:bodyPr/>
-          <a:lstStyle/>
-          <a:p>
-            <a:pPr>
-              <a:defRPr/>
-            </a:pPr>
-            <a:r>
-              <a:rPr lang="ru-RU" smtClean="0"/>
-              <a:t>Введение в разработку приложений для смартфонов на ОС Android. Лекция 2. Виды приложений и их структура.</a:t>
-            </a:r>
-            <a:endParaRPr lang="en-US" dirty="0"/>
-          </a:p>
-        </p:txBody>
-      </p:sp>
-      <p:sp>
-        <p:nvSpPr>
           <p:cNvPr id="5" name="Номер слайда 4"/>
           <p:cNvSpPr>
             <a:spLocks noGrp="1"/>
@@ -11914,32 +11462,6 @@
       </p:sp>
       <p:sp>
         <p:nvSpPr>
-          <p:cNvPr id="4" name="Нижний колонтитул 3"/>
-          <p:cNvSpPr>
-            <a:spLocks noGrp="1"/>
-          </p:cNvSpPr>
-          <p:nvPr>
-            <p:ph type="ftr" sz="quarter" idx="11"/>
-          </p:nvPr>
-        </p:nvSpPr>
-        <p:spPr/>
-        <p:txBody>
-          <a:bodyPr/>
-          <a:lstStyle/>
-          <a:p>
-            <a:pPr>
-              <a:defRPr/>
-            </a:pPr>
-            <a:r>
-              <a:rPr lang="ru-RU" smtClean="0"/>
-              <a:t>Введение в разработку приложений для смартфонов на ОС Android. Лекция 2. Виды приложений и их структура.</a:t>
-            </a:r>
-            <a:endParaRPr lang="en-US" dirty="0"/>
-          </a:p>
-        </p:txBody>
-      </p:sp>
-      <p:sp>
-        <p:nvSpPr>
           <p:cNvPr id="5" name="Номер слайда 4"/>
           <p:cNvSpPr>
             <a:spLocks noGrp="1"/>
@@ -12090,32 +11612,6 @@
       </p:sp>
       <p:sp>
         <p:nvSpPr>
-          <p:cNvPr id="4" name="Нижний колонтитул 3"/>
-          <p:cNvSpPr>
-            <a:spLocks noGrp="1"/>
-          </p:cNvSpPr>
-          <p:nvPr>
-            <p:ph type="ftr" sz="quarter" idx="11"/>
-          </p:nvPr>
-        </p:nvSpPr>
-        <p:spPr/>
-        <p:txBody>
-          <a:bodyPr/>
-          <a:lstStyle/>
-          <a:p>
-            <a:pPr>
-              <a:defRPr/>
-            </a:pPr>
-            <a:r>
-              <a:rPr lang="ru-RU" smtClean="0"/>
-              <a:t>Введение в разработку приложений для смартфонов на ОС Android. Лекция 2. Виды приложений и их структура.</a:t>
-            </a:r>
-            <a:endParaRPr lang="en-US" dirty="0"/>
-          </a:p>
-        </p:txBody>
-      </p:sp>
-      <p:sp>
-        <p:nvSpPr>
           <p:cNvPr id="5" name="Номер слайда 4"/>
           <p:cNvSpPr>
             <a:spLocks noGrp="1"/>
@@ -12238,32 +11734,6 @@
       </p:sp>
       <p:sp>
         <p:nvSpPr>
-          <p:cNvPr id="4" name="Нижний колонтитул 3"/>
-          <p:cNvSpPr>
-            <a:spLocks noGrp="1"/>
-          </p:cNvSpPr>
-          <p:nvPr>
-            <p:ph type="ftr" sz="quarter" idx="11"/>
-          </p:nvPr>
-        </p:nvSpPr>
-        <p:spPr/>
-        <p:txBody>
-          <a:bodyPr/>
-          <a:lstStyle/>
-          <a:p>
-            <a:pPr>
-              <a:defRPr/>
-            </a:pPr>
-            <a:r>
-              <a:rPr lang="ru-RU" smtClean="0"/>
-              <a:t>Введение в разработку приложений для смартфонов на ОС Android. Лекция 2. Виды приложений и их структура.</a:t>
-            </a:r>
-            <a:endParaRPr lang="en-US" dirty="0"/>
-          </a:p>
-        </p:txBody>
-      </p:sp>
-      <p:sp>
-        <p:nvSpPr>
           <p:cNvPr id="5" name="Номер слайда 4"/>
           <p:cNvSpPr>
             <a:spLocks noGrp="1"/>
@@ -12396,32 +11866,6 @@
       </p:sp>
       <p:sp>
         <p:nvSpPr>
-          <p:cNvPr id="4" name="Нижний колонтитул 3"/>
-          <p:cNvSpPr>
-            <a:spLocks noGrp="1"/>
-          </p:cNvSpPr>
-          <p:nvPr>
-            <p:ph type="ftr" sz="quarter" idx="11"/>
-          </p:nvPr>
-        </p:nvSpPr>
-        <p:spPr/>
-        <p:txBody>
-          <a:bodyPr/>
-          <a:lstStyle/>
-          <a:p>
-            <a:pPr>
-              <a:defRPr/>
-            </a:pPr>
-            <a:r>
-              <a:rPr lang="ru-RU" smtClean="0"/>
-              <a:t>Введение в разработку приложений для смартфонов на ОС Android. Лекция 2. Виды приложений и их структура.</a:t>
-            </a:r>
-            <a:endParaRPr lang="en-US" dirty="0"/>
-          </a:p>
-        </p:txBody>
-      </p:sp>
-      <p:sp>
-        <p:nvSpPr>
           <p:cNvPr id="5" name="Номер слайда 4"/>
           <p:cNvSpPr>
             <a:spLocks noGrp="1"/>
@@ -12513,37 +11957,6 @@
       </p:sp>
       <p:sp>
         <p:nvSpPr>
-          <p:cNvPr id="7" name="Нижний колонтитул 3"/>
-          <p:cNvSpPr>
-            <a:spLocks noGrp="1"/>
-          </p:cNvSpPr>
-          <p:nvPr>
-            <p:ph type="ftr" sz="quarter" idx="11"/>
-          </p:nvPr>
-        </p:nvSpPr>
-        <p:spPr>
-          <a:xfrm>
-            <a:off x="609600" y="6042025"/>
-            <a:ext cx="4622800" cy="365125"/>
-          </a:xfrm>
-        </p:spPr>
-        <p:txBody>
-          <a:bodyPr/>
-          <a:lstStyle/>
-          <a:p>
-            <a:pPr>
-              <a:defRPr/>
-            </a:pPr>
-            <a:r>
-              <a:rPr lang="ru-RU" smtClean="0"/>
-              <a:t>Введение в разработку приложений для смартфонов на ОС Android. Лекция 2. Виды приложений и их структура.</a:t>
-            </a:r>
-            <a:endParaRPr lang="en-US" dirty="0"/>
-          </a:p>
-        </p:txBody>
-      </p:sp>
-      <p:sp>
-        <p:nvSpPr>
           <p:cNvPr id="8" name="Номер слайда 4"/>
           <p:cNvSpPr>
             <a:spLocks noGrp="1"/>
@@ -12664,32 +12077,6 @@
       </p:sp>
       <p:sp>
         <p:nvSpPr>
-          <p:cNvPr id="4" name="Нижний колонтитул 3"/>
-          <p:cNvSpPr>
-            <a:spLocks noGrp="1"/>
-          </p:cNvSpPr>
-          <p:nvPr>
-            <p:ph type="ftr" sz="quarter" idx="11"/>
-          </p:nvPr>
-        </p:nvSpPr>
-        <p:spPr/>
-        <p:txBody>
-          <a:bodyPr/>
-          <a:lstStyle/>
-          <a:p>
-            <a:pPr>
-              <a:defRPr/>
-            </a:pPr>
-            <a:r>
-              <a:rPr lang="ru-RU" smtClean="0"/>
-              <a:t>Введение в разработку приложений для смартфонов на ОС Android. Лекция 2. Виды приложений и их структура.</a:t>
-            </a:r>
-            <a:endParaRPr lang="en-US" dirty="0"/>
-          </a:p>
-        </p:txBody>
-      </p:sp>
-      <p:sp>
-        <p:nvSpPr>
           <p:cNvPr id="5" name="Номер слайда 4"/>
           <p:cNvSpPr>
             <a:spLocks noGrp="1"/>
@@ -12794,32 +12181,6 @@
           <a:lstStyle/>
           <a:p>
             <a:endParaRPr lang="ru-RU"/>
-          </a:p>
-        </p:txBody>
-      </p:sp>
-      <p:sp>
-        <p:nvSpPr>
-          <p:cNvPr id="4" name="Нижний колонтитул 3"/>
-          <p:cNvSpPr>
-            <a:spLocks noGrp="1"/>
-          </p:cNvSpPr>
-          <p:nvPr>
-            <p:ph type="ftr" sz="quarter" idx="11"/>
-          </p:nvPr>
-        </p:nvSpPr>
-        <p:spPr/>
-        <p:txBody>
-          <a:bodyPr/>
-          <a:lstStyle/>
-          <a:p>
-            <a:pPr>
-              <a:defRPr/>
-            </a:pPr>
-            <a:r>
-              <a:rPr lang="ru-RU" smtClean="0"/>
-              <a:t>Введение в разработку приложений для смартфонов на ОС Android. Лекция 2. Виды приложений и их структура.</a:t>
-            </a:r>
-            <a:endParaRPr lang="en-US" dirty="0"/>
           </a:p>
         </p:txBody>
       </p:sp>
@@ -12986,32 +12347,6 @@
       </p:sp>
       <p:sp>
         <p:nvSpPr>
-          <p:cNvPr id="4" name="Нижний колонтитул 3"/>
-          <p:cNvSpPr>
-            <a:spLocks noGrp="1"/>
-          </p:cNvSpPr>
-          <p:nvPr>
-            <p:ph type="ftr" sz="quarter" idx="11"/>
-          </p:nvPr>
-        </p:nvSpPr>
-        <p:spPr/>
-        <p:txBody>
-          <a:bodyPr/>
-          <a:lstStyle/>
-          <a:p>
-            <a:pPr>
-              <a:defRPr/>
-            </a:pPr>
-            <a:r>
-              <a:rPr lang="ru-RU" smtClean="0"/>
-              <a:t>Введение в разработку приложений для смартфонов на ОС Android. Лекция 2. Виды приложений и их структура.</a:t>
-            </a:r>
-            <a:endParaRPr lang="en-US" dirty="0"/>
-          </a:p>
-        </p:txBody>
-      </p:sp>
-      <p:sp>
-        <p:nvSpPr>
           <p:cNvPr id="5" name="Номер слайда 4"/>
           <p:cNvSpPr>
             <a:spLocks noGrp="1"/>
@@ -13152,32 +12487,6 @@
           </a:p>
           <a:p>
             <a:endParaRPr lang="ru-RU" dirty="0"/>
-          </a:p>
-        </p:txBody>
-      </p:sp>
-      <p:sp>
-        <p:nvSpPr>
-          <p:cNvPr id="4" name="Нижний колонтитул 3"/>
-          <p:cNvSpPr>
-            <a:spLocks noGrp="1"/>
-          </p:cNvSpPr>
-          <p:nvPr>
-            <p:ph type="ftr" sz="quarter" idx="11"/>
-          </p:nvPr>
-        </p:nvSpPr>
-        <p:spPr/>
-        <p:txBody>
-          <a:bodyPr/>
-          <a:lstStyle/>
-          <a:p>
-            <a:pPr>
-              <a:defRPr/>
-            </a:pPr>
-            <a:r>
-              <a:rPr lang="ru-RU" smtClean="0"/>
-              <a:t>Введение в разработку приложений для смартфонов на ОС Android. Лекция 2. Виды приложений и их структура.</a:t>
-            </a:r>
-            <a:endParaRPr lang="en-US" dirty="0"/>
           </a:p>
         </p:txBody>
       </p:sp>
@@ -13340,32 +12649,6 @@
       </p:sp>
       <p:sp>
         <p:nvSpPr>
-          <p:cNvPr id="4" name="Нижний колонтитул 3"/>
-          <p:cNvSpPr>
-            <a:spLocks noGrp="1"/>
-          </p:cNvSpPr>
-          <p:nvPr>
-            <p:ph type="ftr" sz="quarter" idx="11"/>
-          </p:nvPr>
-        </p:nvSpPr>
-        <p:spPr/>
-        <p:txBody>
-          <a:bodyPr/>
-          <a:lstStyle/>
-          <a:p>
-            <a:pPr>
-              <a:defRPr/>
-            </a:pPr>
-            <a:r>
-              <a:rPr lang="ru-RU" smtClean="0"/>
-              <a:t>Введение в разработку приложений для смартфонов на ОС Android. Лекция 2. Виды приложений и их структура.</a:t>
-            </a:r>
-            <a:endParaRPr lang="en-US" dirty="0"/>
-          </a:p>
-        </p:txBody>
-      </p:sp>
-      <p:sp>
-        <p:nvSpPr>
           <p:cNvPr id="5" name="Номер слайда 4"/>
           <p:cNvSpPr>
             <a:spLocks noGrp="1"/>
@@ -13648,32 +12931,6 @@
       </p:sp>
       <p:sp>
         <p:nvSpPr>
-          <p:cNvPr id="4" name="Нижний колонтитул 3"/>
-          <p:cNvSpPr>
-            <a:spLocks noGrp="1"/>
-          </p:cNvSpPr>
-          <p:nvPr>
-            <p:ph type="ftr" sz="quarter" idx="11"/>
-          </p:nvPr>
-        </p:nvSpPr>
-        <p:spPr/>
-        <p:txBody>
-          <a:bodyPr/>
-          <a:lstStyle/>
-          <a:p>
-            <a:pPr>
-              <a:defRPr/>
-            </a:pPr>
-            <a:r>
-              <a:rPr lang="ru-RU" smtClean="0"/>
-              <a:t>Введение в разработку приложений для смартфонов на ОС Android. Лекция 2. Виды приложений и их структура.</a:t>
-            </a:r>
-            <a:endParaRPr lang="en-US" dirty="0"/>
-          </a:p>
-        </p:txBody>
-      </p:sp>
-      <p:sp>
-        <p:nvSpPr>
           <p:cNvPr id="5" name="Номер слайда 4"/>
           <p:cNvSpPr>
             <a:spLocks noGrp="1"/>
@@ -13799,32 +13056,6 @@
           </a:p>
           <a:p>
             <a:endParaRPr lang="ru-RU" dirty="0"/>
-          </a:p>
-        </p:txBody>
-      </p:sp>
-      <p:sp>
-        <p:nvSpPr>
-          <p:cNvPr id="4" name="Нижний колонтитул 3"/>
-          <p:cNvSpPr>
-            <a:spLocks noGrp="1"/>
-          </p:cNvSpPr>
-          <p:nvPr>
-            <p:ph type="ftr" sz="quarter" idx="11"/>
-          </p:nvPr>
-        </p:nvSpPr>
-        <p:spPr/>
-        <p:txBody>
-          <a:bodyPr/>
-          <a:lstStyle/>
-          <a:p>
-            <a:pPr>
-              <a:defRPr/>
-            </a:pPr>
-            <a:r>
-              <a:rPr lang="ru-RU" smtClean="0"/>
-              <a:t>Введение в разработку приложений для смартфонов на ОС Android. Лекция 2. Виды приложений и их структура.</a:t>
-            </a:r>
-            <a:endParaRPr lang="en-US" dirty="0"/>
           </a:p>
         </p:txBody>
       </p:sp>
@@ -13955,37 +13186,6 @@
       </p:sp>
       <p:sp>
         <p:nvSpPr>
-          <p:cNvPr id="7" name="Нижний колонтитул 3"/>
-          <p:cNvSpPr>
-            <a:spLocks noGrp="1"/>
-          </p:cNvSpPr>
-          <p:nvPr>
-            <p:ph type="ftr" sz="quarter" idx="11"/>
-          </p:nvPr>
-        </p:nvSpPr>
-        <p:spPr>
-          <a:xfrm>
-            <a:off x="609600" y="6042025"/>
-            <a:ext cx="4622800" cy="365125"/>
-          </a:xfrm>
-        </p:spPr>
-        <p:txBody>
-          <a:bodyPr/>
-          <a:lstStyle/>
-          <a:p>
-            <a:pPr>
-              <a:defRPr/>
-            </a:pPr>
-            <a:r>
-              <a:rPr lang="ru-RU" smtClean="0"/>
-              <a:t>Введение в разработку приложений для смартфонов на ОС Android. Лекция 2. Виды приложений и их структура.</a:t>
-            </a:r>
-            <a:endParaRPr lang="en-US" dirty="0"/>
-          </a:p>
-        </p:txBody>
-      </p:sp>
-      <p:sp>
-        <p:nvSpPr>
           <p:cNvPr id="8" name="Номер слайда 4"/>
           <p:cNvSpPr>
             <a:spLocks noGrp="1"/>
@@ -14130,32 +13330,6 @@
       </p:sp>
       <p:sp>
         <p:nvSpPr>
-          <p:cNvPr id="4" name="Нижний колонтитул 3"/>
-          <p:cNvSpPr>
-            <a:spLocks noGrp="1"/>
-          </p:cNvSpPr>
-          <p:nvPr>
-            <p:ph type="ftr" sz="quarter" idx="11"/>
-          </p:nvPr>
-        </p:nvSpPr>
-        <p:spPr/>
-        <p:txBody>
-          <a:bodyPr/>
-          <a:lstStyle/>
-          <a:p>
-            <a:pPr>
-              <a:defRPr/>
-            </a:pPr>
-            <a:r>
-              <a:rPr lang="ru-RU" smtClean="0"/>
-              <a:t>Введение в разработку приложений для смартфонов на ОС Android. Лекция 2. Виды приложений и их структура.</a:t>
-            </a:r>
-            <a:endParaRPr lang="en-US" dirty="0"/>
-          </a:p>
-        </p:txBody>
-      </p:sp>
-      <p:sp>
-        <p:nvSpPr>
           <p:cNvPr id="5" name="Номер слайда 4"/>
           <p:cNvSpPr>
             <a:spLocks noGrp="1"/>
@@ -14358,32 +13532,6 @@
       </p:sp>
       <p:sp>
         <p:nvSpPr>
-          <p:cNvPr id="4" name="Нижний колонтитул 3"/>
-          <p:cNvSpPr>
-            <a:spLocks noGrp="1"/>
-          </p:cNvSpPr>
-          <p:nvPr>
-            <p:ph type="ftr" sz="quarter" idx="11"/>
-          </p:nvPr>
-        </p:nvSpPr>
-        <p:spPr/>
-        <p:txBody>
-          <a:bodyPr/>
-          <a:lstStyle/>
-          <a:p>
-            <a:pPr>
-              <a:defRPr/>
-            </a:pPr>
-            <a:r>
-              <a:rPr lang="ru-RU" smtClean="0"/>
-              <a:t>Введение в разработку приложений для смартфонов на ОС Android. Лекция 2. Виды приложений и их структура.</a:t>
-            </a:r>
-            <a:endParaRPr lang="en-US" dirty="0"/>
-          </a:p>
-        </p:txBody>
-      </p:sp>
-      <p:sp>
-        <p:nvSpPr>
           <p:cNvPr id="5" name="Номер слайда 4"/>
           <p:cNvSpPr>
             <a:spLocks noGrp="1"/>
@@ -14517,32 +13665,6 @@
               <a:rPr lang="ru-RU" dirty="0" smtClean="0"/>
               <a:t>Обеспечение безопасной среды функционирования приложений</a:t>
             </a:r>
-          </a:p>
-        </p:txBody>
-      </p:sp>
-      <p:sp>
-        <p:nvSpPr>
-          <p:cNvPr id="4" name="Нижний колонтитул 3"/>
-          <p:cNvSpPr>
-            <a:spLocks noGrp="1"/>
-          </p:cNvSpPr>
-          <p:nvPr>
-            <p:ph type="ftr" sz="quarter" idx="11"/>
-          </p:nvPr>
-        </p:nvSpPr>
-        <p:spPr/>
-        <p:txBody>
-          <a:bodyPr/>
-          <a:lstStyle/>
-          <a:p>
-            <a:pPr>
-              <a:defRPr/>
-            </a:pPr>
-            <a:r>
-              <a:rPr lang="ru-RU" smtClean="0"/>
-              <a:t>Введение в разработку приложений для смартфонов на ОС Android. Лекция 2. Виды приложений и их структура.</a:t>
-            </a:r>
-            <a:endParaRPr lang="en-US" dirty="0"/>
           </a:p>
         </p:txBody>
       </p:sp>
@@ -14956,32 +14078,6 @@
       </p:sp>
       <p:sp>
         <p:nvSpPr>
-          <p:cNvPr id="4" name="Нижний колонтитул 3"/>
-          <p:cNvSpPr>
-            <a:spLocks noGrp="1"/>
-          </p:cNvSpPr>
-          <p:nvPr>
-            <p:ph type="ftr" sz="quarter" idx="11"/>
-          </p:nvPr>
-        </p:nvSpPr>
-        <p:spPr/>
-        <p:txBody>
-          <a:bodyPr/>
-          <a:lstStyle/>
-          <a:p>
-            <a:pPr>
-              <a:defRPr/>
-            </a:pPr>
-            <a:r>
-              <a:rPr lang="ru-RU" smtClean="0"/>
-              <a:t>Введение в разработку приложений для смартфонов на ОС Android. Лекция 2. Виды приложений и их структура.</a:t>
-            </a:r>
-            <a:endParaRPr lang="en-US" dirty="0"/>
-          </a:p>
-        </p:txBody>
-      </p:sp>
-      <p:sp>
-        <p:nvSpPr>
           <p:cNvPr id="5" name="Номер слайда 4"/>
           <p:cNvSpPr>
             <a:spLocks noGrp="1"/>
@@ -15063,32 +14159,6 @@
               <a:t>Жизненный цикл активности</a:t>
             </a:r>
             <a:endParaRPr lang="ru-RU" sz="3600" dirty="0"/>
-          </a:p>
-        </p:txBody>
-      </p:sp>
-      <p:sp>
-        <p:nvSpPr>
-          <p:cNvPr id="4" name="Нижний колонтитул 3"/>
-          <p:cNvSpPr>
-            <a:spLocks noGrp="1"/>
-          </p:cNvSpPr>
-          <p:nvPr>
-            <p:ph type="ftr" sz="quarter" idx="11"/>
-          </p:nvPr>
-        </p:nvSpPr>
-        <p:spPr/>
-        <p:txBody>
-          <a:bodyPr/>
-          <a:lstStyle/>
-          <a:p>
-            <a:pPr>
-              <a:defRPr/>
-            </a:pPr>
-            <a:r>
-              <a:rPr lang="ru-RU" smtClean="0"/>
-              <a:t>Введение в разработку приложений для смартфонов на ОС Android. Лекция 2. Виды приложений и их структура.</a:t>
-            </a:r>
-            <a:endParaRPr lang="en-US" dirty="0"/>
           </a:p>
         </p:txBody>
       </p:sp>
@@ -15286,32 +14356,6 @@
       </p:sp>
       <p:sp>
         <p:nvSpPr>
-          <p:cNvPr id="4" name="Нижний колонтитул 3"/>
-          <p:cNvSpPr>
-            <a:spLocks noGrp="1"/>
-          </p:cNvSpPr>
-          <p:nvPr>
-            <p:ph type="ftr" sz="quarter" idx="11"/>
-          </p:nvPr>
-        </p:nvSpPr>
-        <p:spPr/>
-        <p:txBody>
-          <a:bodyPr/>
-          <a:lstStyle/>
-          <a:p>
-            <a:pPr>
-              <a:defRPr/>
-            </a:pPr>
-            <a:r>
-              <a:rPr lang="ru-RU" smtClean="0"/>
-              <a:t>Введение в разработку приложений для смартфонов на ОС Android. Лекция 2. Виды приложений и их структура.</a:t>
-            </a:r>
-            <a:endParaRPr lang="en-US" dirty="0"/>
-          </a:p>
-        </p:txBody>
-      </p:sp>
-      <p:sp>
-        <p:nvSpPr>
           <p:cNvPr id="5" name="Номер слайда 4"/>
           <p:cNvSpPr>
             <a:spLocks noGrp="1"/>
@@ -15513,32 +14557,6 @@
       </p:sp>
       <p:sp>
         <p:nvSpPr>
-          <p:cNvPr id="4" name="Нижний колонтитул 3"/>
-          <p:cNvSpPr>
-            <a:spLocks noGrp="1"/>
-          </p:cNvSpPr>
-          <p:nvPr>
-            <p:ph type="ftr" sz="quarter" idx="11"/>
-          </p:nvPr>
-        </p:nvSpPr>
-        <p:spPr/>
-        <p:txBody>
-          <a:bodyPr/>
-          <a:lstStyle/>
-          <a:p>
-            <a:pPr>
-              <a:defRPr/>
-            </a:pPr>
-            <a:r>
-              <a:rPr lang="ru-RU" smtClean="0"/>
-              <a:t>Введение в разработку приложений для смартфонов на ОС Android. Лекция 2. Виды приложений и их структура.</a:t>
-            </a:r>
-            <a:endParaRPr lang="en-US" dirty="0"/>
-          </a:p>
-        </p:txBody>
-      </p:sp>
-      <p:sp>
-        <p:nvSpPr>
           <p:cNvPr id="5" name="Номер слайда 4"/>
           <p:cNvSpPr>
             <a:spLocks noGrp="1"/>
@@ -15725,32 +14743,6 @@
       </p:sp>
       <p:sp>
         <p:nvSpPr>
-          <p:cNvPr id="4" name="Нижний колонтитул 3"/>
-          <p:cNvSpPr>
-            <a:spLocks noGrp="1"/>
-          </p:cNvSpPr>
-          <p:nvPr>
-            <p:ph type="ftr" sz="quarter" idx="11"/>
-          </p:nvPr>
-        </p:nvSpPr>
-        <p:spPr/>
-        <p:txBody>
-          <a:bodyPr/>
-          <a:lstStyle/>
-          <a:p>
-            <a:pPr>
-              <a:defRPr/>
-            </a:pPr>
-            <a:r>
-              <a:rPr lang="ru-RU" smtClean="0"/>
-              <a:t>Введение в разработку приложений для смартфонов на ОС Android. Лекция 2. Виды приложений и их структура.</a:t>
-            </a:r>
-            <a:endParaRPr lang="en-US" dirty="0"/>
-          </a:p>
-        </p:txBody>
-      </p:sp>
-      <p:sp>
-        <p:nvSpPr>
           <p:cNvPr id="5" name="Номер слайда 4"/>
           <p:cNvSpPr>
             <a:spLocks noGrp="1"/>
@@ -15832,32 +14824,6 @@
               <a:t>Жизненный цикл сервиса</a:t>
             </a:r>
             <a:endParaRPr lang="ru-RU" sz="3600" dirty="0"/>
-          </a:p>
-        </p:txBody>
-      </p:sp>
-      <p:sp>
-        <p:nvSpPr>
-          <p:cNvPr id="4" name="Нижний колонтитул 3"/>
-          <p:cNvSpPr>
-            <a:spLocks noGrp="1"/>
-          </p:cNvSpPr>
-          <p:nvPr>
-            <p:ph type="ftr" sz="quarter" idx="11"/>
-          </p:nvPr>
-        </p:nvSpPr>
-        <p:spPr/>
-        <p:txBody>
-          <a:bodyPr/>
-          <a:lstStyle/>
-          <a:p>
-            <a:pPr>
-              <a:defRPr/>
-            </a:pPr>
-            <a:r>
-              <a:rPr lang="ru-RU" smtClean="0"/>
-              <a:t>Введение в разработку приложений для смартфонов на ОС Android. Лекция 2. Виды приложений и их структура.</a:t>
-            </a:r>
-            <a:endParaRPr lang="en-US" dirty="0"/>
           </a:p>
         </p:txBody>
       </p:sp>
@@ -16050,32 +15016,6 @@
       </p:sp>
       <p:sp>
         <p:nvSpPr>
-          <p:cNvPr id="4" name="Нижний колонтитул 3"/>
-          <p:cNvSpPr>
-            <a:spLocks noGrp="1"/>
-          </p:cNvSpPr>
-          <p:nvPr>
-            <p:ph type="ftr" sz="quarter" idx="11"/>
-          </p:nvPr>
-        </p:nvSpPr>
-        <p:spPr/>
-        <p:txBody>
-          <a:bodyPr/>
-          <a:lstStyle/>
-          <a:p>
-            <a:pPr>
-              <a:defRPr/>
-            </a:pPr>
-            <a:r>
-              <a:rPr lang="ru-RU" smtClean="0"/>
-              <a:t>Введение в разработку приложений для смартфонов на ОС Android. Лекция 2. Виды приложений и их структура.</a:t>
-            </a:r>
-            <a:endParaRPr lang="en-US" dirty="0"/>
-          </a:p>
-        </p:txBody>
-      </p:sp>
-      <p:sp>
-        <p:nvSpPr>
           <p:cNvPr id="5" name="Номер слайда 4"/>
           <p:cNvSpPr>
             <a:spLocks noGrp="1"/>
@@ -16233,32 +15173,6 @@
       </p:sp>
       <p:sp>
         <p:nvSpPr>
-          <p:cNvPr id="4" name="Нижний колонтитул 3"/>
-          <p:cNvSpPr>
-            <a:spLocks noGrp="1"/>
-          </p:cNvSpPr>
-          <p:nvPr>
-            <p:ph type="ftr" sz="quarter" idx="11"/>
-          </p:nvPr>
-        </p:nvSpPr>
-        <p:spPr/>
-        <p:txBody>
-          <a:bodyPr/>
-          <a:lstStyle/>
-          <a:p>
-            <a:pPr>
-              <a:defRPr/>
-            </a:pPr>
-            <a:r>
-              <a:rPr lang="ru-RU" smtClean="0"/>
-              <a:t>Введение в разработку приложений для смартфонов на ОС Android. Лекция 2. Виды приложений и их структура.</a:t>
-            </a:r>
-            <a:endParaRPr lang="en-US" dirty="0"/>
-          </a:p>
-        </p:txBody>
-      </p:sp>
-      <p:sp>
-        <p:nvSpPr>
           <p:cNvPr id="5" name="Номер слайда 4"/>
           <p:cNvSpPr>
             <a:spLocks noGrp="1"/>
@@ -16401,32 +15315,6 @@
       </p:sp>
       <p:sp>
         <p:nvSpPr>
-          <p:cNvPr id="4" name="Нижний колонтитул 3"/>
-          <p:cNvSpPr>
-            <a:spLocks noGrp="1"/>
-          </p:cNvSpPr>
-          <p:nvPr>
-            <p:ph type="ftr" sz="quarter" idx="11"/>
-          </p:nvPr>
-        </p:nvSpPr>
-        <p:spPr/>
-        <p:txBody>
-          <a:bodyPr/>
-          <a:lstStyle/>
-          <a:p>
-            <a:pPr>
-              <a:defRPr/>
-            </a:pPr>
-            <a:r>
-              <a:rPr lang="ru-RU" smtClean="0"/>
-              <a:t>Введение в разработку приложений для смартфонов на ОС Android. Лекция 2. Виды приложений и их структура.</a:t>
-            </a:r>
-            <a:endParaRPr lang="en-US" dirty="0"/>
-          </a:p>
-        </p:txBody>
-      </p:sp>
-      <p:sp>
-        <p:nvSpPr>
           <p:cNvPr id="5" name="Номер слайда 4"/>
           <p:cNvSpPr>
             <a:spLocks noGrp="1"/>
@@ -16655,32 +15543,6 @@
       </p:sp>
       <p:sp>
         <p:nvSpPr>
-          <p:cNvPr id="4" name="Нижний колонтитул 3"/>
-          <p:cNvSpPr>
-            <a:spLocks noGrp="1"/>
-          </p:cNvSpPr>
-          <p:nvPr>
-            <p:ph type="ftr" sz="quarter" idx="11"/>
-          </p:nvPr>
-        </p:nvSpPr>
-        <p:spPr/>
-        <p:txBody>
-          <a:bodyPr/>
-          <a:lstStyle/>
-          <a:p>
-            <a:pPr>
-              <a:defRPr/>
-            </a:pPr>
-            <a:r>
-              <a:rPr lang="ru-RU" smtClean="0"/>
-              <a:t>Введение в разработку приложений для смартфонов на ОС Android. Лекция 2. Виды приложений и их структура.</a:t>
-            </a:r>
-            <a:endParaRPr lang="en-US" dirty="0"/>
-          </a:p>
-        </p:txBody>
-      </p:sp>
-      <p:sp>
-        <p:nvSpPr>
           <p:cNvPr id="5" name="Номер слайда 4"/>
           <p:cNvSpPr>
             <a:spLocks noGrp="1"/>
@@ -16803,32 +15665,6 @@
           </a:p>
           <a:p>
             <a:endParaRPr lang="ru-RU" dirty="0"/>
-          </a:p>
-        </p:txBody>
-      </p:sp>
-      <p:sp>
-        <p:nvSpPr>
-          <p:cNvPr id="4" name="Нижний колонтитул 3"/>
-          <p:cNvSpPr>
-            <a:spLocks noGrp="1"/>
-          </p:cNvSpPr>
-          <p:nvPr>
-            <p:ph type="ftr" sz="quarter" idx="11"/>
-          </p:nvPr>
-        </p:nvSpPr>
-        <p:spPr/>
-        <p:txBody>
-          <a:bodyPr/>
-          <a:lstStyle/>
-          <a:p>
-            <a:pPr>
-              <a:defRPr/>
-            </a:pPr>
-            <a:r>
-              <a:rPr lang="ru-RU" smtClean="0"/>
-              <a:t>Введение в разработку приложений для смартфонов на ОС Android. Лекция 2. Виды приложений и их структура.</a:t>
-            </a:r>
-            <a:endParaRPr lang="en-US" dirty="0"/>
           </a:p>
         </p:txBody>
       </p:sp>
@@ -17005,32 +15841,6 @@
       </p:sp>
       <p:sp>
         <p:nvSpPr>
-          <p:cNvPr id="4" name="Нижний колонтитул 3"/>
-          <p:cNvSpPr>
-            <a:spLocks noGrp="1"/>
-          </p:cNvSpPr>
-          <p:nvPr>
-            <p:ph type="ftr" sz="quarter" idx="11"/>
-          </p:nvPr>
-        </p:nvSpPr>
-        <p:spPr/>
-        <p:txBody>
-          <a:bodyPr/>
-          <a:lstStyle/>
-          <a:p>
-            <a:pPr>
-              <a:defRPr/>
-            </a:pPr>
-            <a:r>
-              <a:rPr lang="ru-RU" smtClean="0"/>
-              <a:t>Введение в разработку приложений для смартфонов на ОС Android. Лекция 2. Виды приложений и их структура.</a:t>
-            </a:r>
-            <a:endParaRPr lang="en-US" dirty="0"/>
-          </a:p>
-        </p:txBody>
-      </p:sp>
-      <p:sp>
-        <p:nvSpPr>
           <p:cNvPr id="5" name="Номер слайда 4"/>
           <p:cNvSpPr>
             <a:spLocks noGrp="1"/>
@@ -17169,32 +15979,6 @@
       </p:sp>
       <p:sp>
         <p:nvSpPr>
-          <p:cNvPr id="4" name="Нижний колонтитул 3"/>
-          <p:cNvSpPr>
-            <a:spLocks noGrp="1"/>
-          </p:cNvSpPr>
-          <p:nvPr>
-            <p:ph type="ftr" sz="quarter" idx="11"/>
-          </p:nvPr>
-        </p:nvSpPr>
-        <p:spPr/>
-        <p:txBody>
-          <a:bodyPr/>
-          <a:lstStyle/>
-          <a:p>
-            <a:pPr>
-              <a:defRPr/>
-            </a:pPr>
-            <a:r>
-              <a:rPr lang="ru-RU" smtClean="0"/>
-              <a:t>Введение в разработку приложений для смартфонов на ОС Android. Лекция 2. Виды приложений и их структура.</a:t>
-            </a:r>
-            <a:endParaRPr lang="en-US" dirty="0"/>
-          </a:p>
-        </p:txBody>
-      </p:sp>
-      <p:sp>
-        <p:nvSpPr>
           <p:cNvPr id="5" name="Номер слайда 4"/>
           <p:cNvSpPr>
             <a:spLocks noGrp="1"/>
@@ -17328,32 +16112,6 @@
       </p:sp>
       <p:sp>
         <p:nvSpPr>
-          <p:cNvPr id="4" name="Нижний колонтитул 3"/>
-          <p:cNvSpPr>
-            <a:spLocks noGrp="1"/>
-          </p:cNvSpPr>
-          <p:nvPr>
-            <p:ph type="ftr" sz="quarter" idx="11"/>
-          </p:nvPr>
-        </p:nvSpPr>
-        <p:spPr/>
-        <p:txBody>
-          <a:bodyPr/>
-          <a:lstStyle/>
-          <a:p>
-            <a:pPr>
-              <a:defRPr/>
-            </a:pPr>
-            <a:r>
-              <a:rPr lang="ru-RU" smtClean="0"/>
-              <a:t>Введение в разработку приложений для смартфонов на ОС Android. Лекция 2. Виды приложений и их структура.</a:t>
-            </a:r>
-            <a:endParaRPr lang="en-US" dirty="0"/>
-          </a:p>
-        </p:txBody>
-      </p:sp>
-      <p:sp>
-        <p:nvSpPr>
           <p:cNvPr id="5" name="Номер слайда 4"/>
           <p:cNvSpPr>
             <a:spLocks noGrp="1"/>
@@ -17624,32 +16382,6 @@
       </p:sp>
       <p:sp>
         <p:nvSpPr>
-          <p:cNvPr id="4" name="Нижний колонтитул 3"/>
-          <p:cNvSpPr>
-            <a:spLocks noGrp="1"/>
-          </p:cNvSpPr>
-          <p:nvPr>
-            <p:ph type="ftr" sz="quarter" idx="11"/>
-          </p:nvPr>
-        </p:nvSpPr>
-        <p:spPr/>
-        <p:txBody>
-          <a:bodyPr/>
-          <a:lstStyle/>
-          <a:p>
-            <a:pPr>
-              <a:defRPr/>
-            </a:pPr>
-            <a:r>
-              <a:rPr lang="ru-RU" smtClean="0"/>
-              <a:t>Введение в разработку приложений для смартфонов на ОС Android. Лекция 2. Виды приложений и их структура.</a:t>
-            </a:r>
-            <a:endParaRPr lang="en-US" dirty="0"/>
-          </a:p>
-        </p:txBody>
-      </p:sp>
-      <p:sp>
-        <p:nvSpPr>
           <p:cNvPr id="5" name="Номер слайда 4"/>
           <p:cNvSpPr>
             <a:spLocks noGrp="1"/>
@@ -17811,32 +16543,6 @@
       </p:sp>
       <p:sp>
         <p:nvSpPr>
-          <p:cNvPr id="4" name="Нижний колонтитул 3"/>
-          <p:cNvSpPr>
-            <a:spLocks noGrp="1"/>
-          </p:cNvSpPr>
-          <p:nvPr>
-            <p:ph type="ftr" sz="quarter" idx="11"/>
-          </p:nvPr>
-        </p:nvSpPr>
-        <p:spPr/>
-        <p:txBody>
-          <a:bodyPr/>
-          <a:lstStyle/>
-          <a:p>
-            <a:pPr>
-              <a:defRPr/>
-            </a:pPr>
-            <a:r>
-              <a:rPr lang="ru-RU" smtClean="0"/>
-              <a:t>Введение в разработку приложений для смартфонов на ОС Android. Лекция 2. Виды приложений и их структура.</a:t>
-            </a:r>
-            <a:endParaRPr lang="en-US" dirty="0"/>
-          </a:p>
-        </p:txBody>
-      </p:sp>
-      <p:sp>
-        <p:nvSpPr>
           <p:cNvPr id="5" name="Номер слайда 4"/>
           <p:cNvSpPr>
             <a:spLocks noGrp="1"/>
@@ -17984,32 +16690,6 @@
       </p:sp>
       <p:sp>
         <p:nvSpPr>
-          <p:cNvPr id="4" name="Нижний колонтитул 3"/>
-          <p:cNvSpPr>
-            <a:spLocks noGrp="1"/>
-          </p:cNvSpPr>
-          <p:nvPr>
-            <p:ph type="ftr" sz="quarter" idx="11"/>
-          </p:nvPr>
-        </p:nvSpPr>
-        <p:spPr/>
-        <p:txBody>
-          <a:bodyPr/>
-          <a:lstStyle/>
-          <a:p>
-            <a:pPr>
-              <a:defRPr/>
-            </a:pPr>
-            <a:r>
-              <a:rPr lang="ru-RU" smtClean="0"/>
-              <a:t>Введение в разработку приложений для смартфонов на ОС Android. Лекция 2. Виды приложений и их структура.</a:t>
-            </a:r>
-            <a:endParaRPr lang="en-US" dirty="0"/>
-          </a:p>
-        </p:txBody>
-      </p:sp>
-      <p:sp>
-        <p:nvSpPr>
           <p:cNvPr id="5" name="Номер слайда 4"/>
           <p:cNvSpPr>
             <a:spLocks noGrp="1"/>
@@ -18194,32 +16874,6 @@
               <a:buNone/>
             </a:pPr>
             <a:endParaRPr lang="ru-RU" sz="1750" dirty="0" smtClean="0"/>
-          </a:p>
-        </p:txBody>
-      </p:sp>
-      <p:sp>
-        <p:nvSpPr>
-          <p:cNvPr id="4" name="Нижний колонтитул 3"/>
-          <p:cNvSpPr>
-            <a:spLocks noGrp="1"/>
-          </p:cNvSpPr>
-          <p:nvPr>
-            <p:ph type="ftr" sz="quarter" idx="11"/>
-          </p:nvPr>
-        </p:nvSpPr>
-        <p:spPr/>
-        <p:txBody>
-          <a:bodyPr/>
-          <a:lstStyle/>
-          <a:p>
-            <a:pPr>
-              <a:defRPr/>
-            </a:pPr>
-            <a:r>
-              <a:rPr lang="ru-RU" smtClean="0"/>
-              <a:t>Введение в разработку приложений для смартфонов на ОС Android. Лекция 2. Виды приложений и их структура.</a:t>
-            </a:r>
-            <a:endParaRPr lang="en-US" dirty="0"/>
           </a:p>
         </p:txBody>
       </p:sp>
@@ -18494,32 +17148,6 @@
       </p:sp>
       <p:sp>
         <p:nvSpPr>
-          <p:cNvPr id="4" name="Нижний колонтитул 3"/>
-          <p:cNvSpPr>
-            <a:spLocks noGrp="1"/>
-          </p:cNvSpPr>
-          <p:nvPr>
-            <p:ph type="ftr" sz="quarter" idx="11"/>
-          </p:nvPr>
-        </p:nvSpPr>
-        <p:spPr/>
-        <p:txBody>
-          <a:bodyPr/>
-          <a:lstStyle/>
-          <a:p>
-            <a:pPr>
-              <a:defRPr/>
-            </a:pPr>
-            <a:r>
-              <a:rPr lang="ru-RU" smtClean="0"/>
-              <a:t>Введение в разработку приложений для смартфонов на ОС Android. Лекция 2. Виды приложений и их структура.</a:t>
-            </a:r>
-            <a:endParaRPr lang="en-US" dirty="0"/>
-          </a:p>
-        </p:txBody>
-      </p:sp>
-      <p:sp>
-        <p:nvSpPr>
           <p:cNvPr id="5" name="Номер слайда 4"/>
           <p:cNvSpPr>
             <a:spLocks noGrp="1"/>
@@ -18673,32 +17301,6 @@
       </p:sp>
       <p:sp>
         <p:nvSpPr>
-          <p:cNvPr id="4" name="Нижний колонтитул 3"/>
-          <p:cNvSpPr>
-            <a:spLocks noGrp="1"/>
-          </p:cNvSpPr>
-          <p:nvPr>
-            <p:ph type="ftr" sz="quarter" idx="11"/>
-          </p:nvPr>
-        </p:nvSpPr>
-        <p:spPr/>
-        <p:txBody>
-          <a:bodyPr/>
-          <a:lstStyle/>
-          <a:p>
-            <a:pPr>
-              <a:defRPr/>
-            </a:pPr>
-            <a:r>
-              <a:rPr lang="ru-RU" smtClean="0"/>
-              <a:t>Введение в разработку приложений для смартфонов на ОС Android. Лекция 2. Виды приложений и их структура.</a:t>
-            </a:r>
-            <a:endParaRPr lang="en-US" dirty="0"/>
-          </a:p>
-        </p:txBody>
-      </p:sp>
-      <p:sp>
-        <p:nvSpPr>
           <p:cNvPr id="5" name="Номер слайда 4"/>
           <p:cNvSpPr>
             <a:spLocks noGrp="1"/>
@@ -18809,30 +17411,7 @@
           <a:p>
             <a:pPr lvl="0"/>
             <a:r>
-              <a:rPr lang="ru-RU" sz="1800" dirty="0" smtClean="0"/>
-              <a:t>Майер P. Android 2 : программирование приложений для планшетных компьютеров и смартфонов : [пер. с англ. ] / </a:t>
-            </a:r>
-            <a:r>
-              <a:rPr lang="ru-RU" sz="1800" dirty="0" err="1" smtClean="0"/>
-              <a:t>Рето</a:t>
-            </a:r>
-            <a:r>
-              <a:rPr lang="ru-RU" sz="1800" dirty="0" smtClean="0"/>
-              <a:t> Майер. — М. : </a:t>
-            </a:r>
-            <a:r>
-              <a:rPr lang="ru-RU" sz="1800" dirty="0" err="1" smtClean="0"/>
-              <a:t>Эксмо</a:t>
-            </a:r>
-            <a:r>
-              <a:rPr lang="ru-RU" sz="1800" dirty="0" smtClean="0"/>
-              <a:t>, 2011. — 672 с. — (Мировой компьютерный бестселлер). </a:t>
-            </a:r>
-          </a:p>
-          <a:p>
-            <a:pPr lvl="0"/>
-            <a:r>
-              <a:rPr lang="ru-RU" sz="1800" u="sng" dirty="0" smtClean="0">
+              <a:rPr lang="ru-RU" sz="1800" u="sng" smtClean="0">
                 <a:solidFill>
                   <a:schemeClr val="accent2">
                     <a:lumMod val="50000"/>
@@ -18840,7 +17419,18 @@
                 </a:solidFill>
                 <a:hlinkClick r:id="rId2"/>
               </a:rPr>
-              <a:t>http://www.androidpit.ru/chto-takoe-vidzhet</a:t>
+              <a:t>http</a:t>
+            </a:r>
+            <a:r>
+              <a:rPr lang="ru-RU" sz="1800" u="sng" dirty="0" smtClean="0">
+                <a:solidFill>
+                  <a:schemeClr val="accent2">
+                    <a:lumMod val="50000"/>
+                  </a:schemeClr>
+                </a:solidFill>
+                <a:hlinkClick r:id="rId2"/>
+              </a:rPr>
+              <a:t>://www.androidpit.ru/chto-takoe-vidzhet</a:t>
             </a:r>
             <a:r>
               <a:rPr lang="ru-RU" sz="1800" u="sng" dirty="0" smtClean="0">
@@ -18911,32 +17501,6 @@
                 </a:schemeClr>
               </a:solidFill>
             </a:endParaRPr>
-          </a:p>
-        </p:txBody>
-      </p:sp>
-      <p:sp>
-        <p:nvSpPr>
-          <p:cNvPr id="4" name="Нижний колонтитул 3"/>
-          <p:cNvSpPr>
-            <a:spLocks noGrp="1"/>
-          </p:cNvSpPr>
-          <p:nvPr>
-            <p:ph type="ftr" sz="quarter" idx="11"/>
-          </p:nvPr>
-        </p:nvSpPr>
-        <p:spPr/>
-        <p:txBody>
-          <a:bodyPr/>
-          <a:lstStyle/>
-          <a:p>
-            <a:pPr>
-              <a:defRPr/>
-            </a:pPr>
-            <a:r>
-              <a:rPr lang="ru-RU" smtClean="0"/>
-              <a:t>Введение в разработку приложений для смартфонов на ОС Android. Лекция 2. Виды приложений и их структура.</a:t>
-            </a:r>
-            <a:endParaRPr lang="en-US" dirty="0"/>
           </a:p>
         </p:txBody>
       </p:sp>
@@ -19167,37 +17731,6 @@
       </p:sp>
       <p:sp>
         <p:nvSpPr>
-          <p:cNvPr id="7" name="Нижний колонтитул 3"/>
-          <p:cNvSpPr>
-            <a:spLocks noGrp="1"/>
-          </p:cNvSpPr>
-          <p:nvPr>
-            <p:ph type="ftr" sz="quarter" idx="11"/>
-          </p:nvPr>
-        </p:nvSpPr>
-        <p:spPr>
-          <a:xfrm>
-            <a:off x="609600" y="6042025"/>
-            <a:ext cx="4622800" cy="365125"/>
-          </a:xfrm>
-        </p:spPr>
-        <p:txBody>
-          <a:bodyPr/>
-          <a:lstStyle/>
-          <a:p>
-            <a:pPr>
-              <a:defRPr/>
-            </a:pPr>
-            <a:r>
-              <a:rPr lang="ru-RU" smtClean="0"/>
-              <a:t>Введение в разработку приложений для смартфонов на ОС Android. Лекция 2. Виды приложений и их структура.</a:t>
-            </a:r>
-            <a:endParaRPr lang="en-US" dirty="0"/>
-          </a:p>
-        </p:txBody>
-      </p:sp>
-      <p:sp>
-        <p:nvSpPr>
           <p:cNvPr id="8" name="Номер слайда 4"/>
           <p:cNvSpPr>
             <a:spLocks noGrp="1"/>
@@ -19330,32 +17863,6 @@
       </p:sp>
       <p:sp>
         <p:nvSpPr>
-          <p:cNvPr id="4" name="Нижний колонтитул 3"/>
-          <p:cNvSpPr>
-            <a:spLocks noGrp="1"/>
-          </p:cNvSpPr>
-          <p:nvPr>
-            <p:ph type="ftr" sz="quarter" idx="11"/>
-          </p:nvPr>
-        </p:nvSpPr>
-        <p:spPr/>
-        <p:txBody>
-          <a:bodyPr/>
-          <a:lstStyle/>
-          <a:p>
-            <a:pPr>
-              <a:defRPr/>
-            </a:pPr>
-            <a:r>
-              <a:rPr lang="ru-RU" smtClean="0"/>
-              <a:t>Введение в разработку приложений для смартфонов на ОС Android. Лекция 2. Виды приложений и их структура.</a:t>
-            </a:r>
-            <a:endParaRPr lang="en-US" dirty="0"/>
-          </a:p>
-        </p:txBody>
-      </p:sp>
-      <p:sp>
-        <p:nvSpPr>
           <p:cNvPr id="5" name="Номер слайда 4"/>
           <p:cNvSpPr>
             <a:spLocks noGrp="1"/>
@@ -19507,32 +18014,6 @@
               <a:rPr lang="ru-RU" sz="1800" dirty="0" smtClean="0"/>
               <a:t>видеопроигрыватели</a:t>
             </a:r>
-          </a:p>
-        </p:txBody>
-      </p:sp>
-      <p:sp>
-        <p:nvSpPr>
-          <p:cNvPr id="4" name="Нижний колонтитул 3"/>
-          <p:cNvSpPr>
-            <a:spLocks noGrp="1"/>
-          </p:cNvSpPr>
-          <p:nvPr>
-            <p:ph type="ftr" sz="quarter" idx="11"/>
-          </p:nvPr>
-        </p:nvSpPr>
-        <p:spPr/>
-        <p:txBody>
-          <a:bodyPr/>
-          <a:lstStyle/>
-          <a:p>
-            <a:pPr>
-              <a:defRPr/>
-            </a:pPr>
-            <a:r>
-              <a:rPr lang="ru-RU" smtClean="0"/>
-              <a:t>Введение в разработку приложений для смартфонов на ОС Android. Лекция 2. Виды приложений и их структура.</a:t>
-            </a:r>
-            <a:endParaRPr lang="en-US" dirty="0"/>
           </a:p>
         </p:txBody>
       </p:sp>
@@ -19676,32 +18157,6 @@
           </a:p>
           <a:p>
             <a:endParaRPr lang="ru-RU" dirty="0"/>
-          </a:p>
-        </p:txBody>
-      </p:sp>
-      <p:sp>
-        <p:nvSpPr>
-          <p:cNvPr id="4" name="Нижний колонтитул 3"/>
-          <p:cNvSpPr>
-            <a:spLocks noGrp="1"/>
-          </p:cNvSpPr>
-          <p:nvPr>
-            <p:ph type="ftr" sz="quarter" idx="11"/>
-          </p:nvPr>
-        </p:nvSpPr>
-        <p:spPr/>
-        <p:txBody>
-          <a:bodyPr/>
-          <a:lstStyle/>
-          <a:p>
-            <a:pPr>
-              <a:defRPr/>
-            </a:pPr>
-            <a:r>
-              <a:rPr lang="ru-RU" smtClean="0"/>
-              <a:t>Введение в разработку приложений для смартфонов на ОС Android. Лекция 2. Виды приложений и их структура.</a:t>
-            </a:r>
-            <a:endParaRPr lang="en-US" dirty="0"/>
           </a:p>
         </p:txBody>
       </p:sp>
@@ -20000,7 +18455,7 @@
   <a:extraClrSchemeLst/>
   <a:extLst>
     <a:ext uri="{05A4C25C-085E-4340-85A3-A5531E510DB2}">
-      <thm15:themeFamily xmlns:thm15="http://schemas.microsoft.com/office/thememl/2012/main" xmlns="" name="Facet" id="{C0C680CD-088A-49FC-A102-D699147F32B2}" vid="{CFBC31BA-B70F-4F30-BCAA-4F3011E16C4D}"/>
+      <thm15:themeFamily xmlns:thm15="http://schemas.microsoft.com/office/thememl/2012/main" name="Facet" id="{C0C680CD-088A-49FC-A102-D699147F32B2}" vid="{CFBC31BA-B70F-4F30-BCAA-4F3011E16C4D}"/>
     </a:ext>
   </a:extLst>
 </a:theme>
